--- a/Figures/peads-block.pptx
+++ b/Figures/peads-block.pptx
@@ -260,7 +260,7 @@
           <a:p>
             <a:fld id="{7F36A4D4-484B-4674-9C47-49AFF4631F11}" type="datetimeFigureOut">
               <a:rPr lang="en-US" smtClean="0"/>
-              <a:t>1/10/2026</a:t>
+              <a:t>1/11/2026</a:t>
             </a:fld>
             <a:endParaRPr lang="en-US"/>
           </a:p>
@@ -458,7 +458,7 @@
           <a:p>
             <a:fld id="{7F36A4D4-484B-4674-9C47-49AFF4631F11}" type="datetimeFigureOut">
               <a:rPr lang="en-US" smtClean="0"/>
-              <a:t>1/10/2026</a:t>
+              <a:t>1/11/2026</a:t>
             </a:fld>
             <a:endParaRPr lang="en-US"/>
           </a:p>
@@ -666,7 +666,7 @@
           <a:p>
             <a:fld id="{7F36A4D4-484B-4674-9C47-49AFF4631F11}" type="datetimeFigureOut">
               <a:rPr lang="en-US" smtClean="0"/>
-              <a:t>1/10/2026</a:t>
+              <a:t>1/11/2026</a:t>
             </a:fld>
             <a:endParaRPr lang="en-US"/>
           </a:p>
@@ -864,7 +864,7 @@
           <a:p>
             <a:fld id="{7F36A4D4-484B-4674-9C47-49AFF4631F11}" type="datetimeFigureOut">
               <a:rPr lang="en-US" smtClean="0"/>
-              <a:t>1/10/2026</a:t>
+              <a:t>1/11/2026</a:t>
             </a:fld>
             <a:endParaRPr lang="en-US"/>
           </a:p>
@@ -1139,7 +1139,7 @@
           <a:p>
             <a:fld id="{7F36A4D4-484B-4674-9C47-49AFF4631F11}" type="datetimeFigureOut">
               <a:rPr lang="en-US" smtClean="0"/>
-              <a:t>1/10/2026</a:t>
+              <a:t>1/11/2026</a:t>
             </a:fld>
             <a:endParaRPr lang="en-US"/>
           </a:p>
@@ -1404,7 +1404,7 @@
           <a:p>
             <a:fld id="{7F36A4D4-484B-4674-9C47-49AFF4631F11}" type="datetimeFigureOut">
               <a:rPr lang="en-US" smtClean="0"/>
-              <a:t>1/10/2026</a:t>
+              <a:t>1/11/2026</a:t>
             </a:fld>
             <a:endParaRPr lang="en-US"/>
           </a:p>
@@ -1816,7 +1816,7 @@
           <a:p>
             <a:fld id="{7F36A4D4-484B-4674-9C47-49AFF4631F11}" type="datetimeFigureOut">
               <a:rPr lang="en-US" smtClean="0"/>
-              <a:t>1/10/2026</a:t>
+              <a:t>1/11/2026</a:t>
             </a:fld>
             <a:endParaRPr lang="en-US"/>
           </a:p>
@@ -1957,7 +1957,7 @@
           <a:p>
             <a:fld id="{7F36A4D4-484B-4674-9C47-49AFF4631F11}" type="datetimeFigureOut">
               <a:rPr lang="en-US" smtClean="0"/>
-              <a:t>1/10/2026</a:t>
+              <a:t>1/11/2026</a:t>
             </a:fld>
             <a:endParaRPr lang="en-US"/>
           </a:p>
@@ -2070,7 +2070,7 @@
           <a:p>
             <a:fld id="{7F36A4D4-484B-4674-9C47-49AFF4631F11}" type="datetimeFigureOut">
               <a:rPr lang="en-US" smtClean="0"/>
-              <a:t>1/10/2026</a:t>
+              <a:t>1/11/2026</a:t>
             </a:fld>
             <a:endParaRPr lang="en-US"/>
           </a:p>
@@ -2381,7 +2381,7 @@
           <a:p>
             <a:fld id="{7F36A4D4-484B-4674-9C47-49AFF4631F11}" type="datetimeFigureOut">
               <a:rPr lang="en-US" smtClean="0"/>
-              <a:t>1/10/2026</a:t>
+              <a:t>1/11/2026</a:t>
             </a:fld>
             <a:endParaRPr lang="en-US"/>
           </a:p>
@@ -2669,7 +2669,7 @@
           <a:p>
             <a:fld id="{7F36A4D4-484B-4674-9C47-49AFF4631F11}" type="datetimeFigureOut">
               <a:rPr lang="en-US" smtClean="0"/>
-              <a:t>1/10/2026</a:t>
+              <a:t>1/11/2026</a:t>
             </a:fld>
             <a:endParaRPr lang="en-US"/>
           </a:p>
@@ -2910,7 +2910,7 @@
           <a:p>
             <a:fld id="{7F36A4D4-484B-4674-9C47-49AFF4631F11}" type="datetimeFigureOut">
               <a:rPr lang="en-US" smtClean="0"/>
-              <a:t>1/10/2026</a:t>
+              <a:t>1/11/2026</a:t>
             </a:fld>
             <a:endParaRPr lang="en-US"/>
           </a:p>
@@ -3422,9 +3422,9 @@
         <p:grpSpPr>
           <a:xfrm>
             <a:off x="-4498712" y="314653"/>
-            <a:ext cx="19388505" cy="4798508"/>
+            <a:ext cx="19388505" cy="5544789"/>
             <a:chOff x="2699462" y="990756"/>
-            <a:chExt cx="9794357" cy="4798508"/>
+            <a:chExt cx="9794357" cy="5544789"/>
           </a:xfrm>
         </p:grpSpPr>
         <p:sp>
@@ -3478,11 +3478,14 @@
             <a:p>
               <a:pPr algn="ctr"/>
               <a:r>
-                <a:rPr lang="en-US" sz="2400" b="1" dirty="0">
+                <a:rPr lang="en-US" sz="2400" b="1" dirty="0" smtClean="0">
                   <a:latin typeface="Arial Narrow" panose="020B0606020202030204" pitchFamily="34" charset="0"/>
                 </a:rPr>
-                <a:t>Classification &amp; XAI </a:t>
+                <a:t>Classification</a:t>
               </a:r>
+              <a:endParaRPr lang="en-US" sz="2400" b="1" dirty="0">
+                <a:latin typeface="Arial Narrow" panose="020B0606020202030204" pitchFamily="34" charset="0"/>
+              </a:endParaRPr>
             </a:p>
           </p:txBody>
         </p:sp>
@@ -3542,9 +3545,6 @@
                 </a:rPr>
                 <a:t>Quadratic SVM, Subspace KNN, Medium Neural Network, XGBoost, Voting Classifier.</a:t>
               </a:r>
-              <a:endParaRPr lang="en-US" dirty="0">
-                <a:latin typeface="Arial Narrow" panose="020B0606020202030204" pitchFamily="34" charset="0"/>
-              </a:endParaRPr>
             </a:p>
           </p:txBody>
         </p:sp>
@@ -3604,9 +3604,6 @@
                 </a:rPr>
                 <a:t>Logistic Regression, EBDT v1, Random Forest, Perceptron, EBDT v2 (Proposed).</a:t>
               </a:r>
-              <a:endParaRPr lang="en-US" dirty="0">
-                <a:latin typeface="Arial Narrow" panose="020B0606020202030204" pitchFamily="34" charset="0"/>
-              </a:endParaRPr>
             </a:p>
           </p:txBody>
         </p:sp>
@@ -3625,7 +3622,7 @@
           <p:spPr>
             <a:xfrm>
               <a:off x="2707800" y="3375530"/>
-              <a:ext cx="2068416" cy="646331"/>
+              <a:ext cx="2068416" cy="369332"/>
             </a:xfrm>
             <a:prstGeom prst="rect">
               <a:avLst/>
@@ -3768,7 +3765,7 @@
           <p:spPr>
             <a:xfrm>
               <a:off x="2699462" y="4121811"/>
-              <a:ext cx="2076754" cy="923330"/>
+              <a:ext cx="2076754" cy="646331"/>
             </a:xfrm>
             <a:prstGeom prst="rect">
               <a:avLst/>
@@ -3830,8 +3827,8 @@
           </p:nvSpPr>
           <p:spPr>
             <a:xfrm>
-              <a:off x="2707800" y="5145091"/>
-              <a:ext cx="6120689" cy="369332"/>
+              <a:off x="2811439" y="5889214"/>
+              <a:ext cx="6120689" cy="646331"/>
             </a:xfrm>
             <a:prstGeom prst="rect">
               <a:avLst/>
@@ -3867,56 +3864,68 @@
             <a:p>
               <a:pPr algn="ctr"/>
               <a:r>
+                <a:rPr lang="en-US" b="1" dirty="0" smtClean="0">
+                  <a:latin typeface="Arial Narrow" panose="020B0606020202030204" pitchFamily="34" charset="0"/>
+                </a:rPr>
+                <a:t>Explainable AI </a:t>
+              </a:r>
+              <a:r>
                 <a:rPr lang="en-US" b="1" dirty="0">
                   <a:latin typeface="Arial Narrow" panose="020B0606020202030204" pitchFamily="34" charset="0"/>
                 </a:rPr>
-                <a:t>LIME (Local Interpretable Model-agnostic Explanations)</a:t>
+                <a:t>Evaluation</a:t>
               </a:r>
+              <a:r>
+                <a:rPr lang="en-US" b="1" dirty="0" smtClean="0">
+                  <a:latin typeface="Arial Narrow" panose="020B0606020202030204" pitchFamily="34" charset="0"/>
+                </a:rPr>
+                <a:t>: </a:t>
+              </a:r>
+              <a:r>
+                <a:rPr lang="en-US" dirty="0" smtClean="0">
+                  <a:latin typeface="Arial Narrow" panose="020B0606020202030204" pitchFamily="34" charset="0"/>
+                </a:rPr>
+                <a:t>LIME </a:t>
+              </a:r>
+              <a:r>
+                <a:rPr lang="en-US" dirty="0" smtClean="0">
+                  <a:latin typeface="Arial Narrow" panose="020B0606020202030204" pitchFamily="34" charset="0"/>
+                </a:rPr>
+                <a:t>(Local Interpretable Model-agnostic Explanations)</a:t>
+              </a:r>
+            </a:p>
+            <a:p>
+              <a:pPr algn="ctr"/>
+              <a:r>
+                <a:rPr lang="en-US" b="1" dirty="0" smtClean="0">
+                  <a:latin typeface="Arial Narrow" panose="020B0606020202030204" pitchFamily="34" charset="0"/>
+                </a:rPr>
+                <a:t>Ethical AI Evaluation: </a:t>
+              </a:r>
+              <a:r>
+                <a:rPr lang="en-US" dirty="0" smtClean="0">
+                  <a:latin typeface="Arial Narrow" panose="020B0606020202030204" pitchFamily="34" charset="0"/>
+                </a:rPr>
+                <a:t>(</a:t>
+              </a:r>
+              <a:r>
+                <a:rPr lang="en-US" dirty="0" err="1" smtClean="0">
+                  <a:latin typeface="Arial Narrow" panose="020B0606020202030204" pitchFamily="34" charset="0"/>
+                </a:rPr>
+                <a:t>i</a:t>
+              </a:r>
+              <a:r>
+                <a:rPr lang="en-US" dirty="0" smtClean="0">
+                  <a:latin typeface="Arial Narrow" panose="020B0606020202030204" pitchFamily="34" charset="0"/>
+                </a:rPr>
+                <a:t>) Fairness Score  (ii) Error Stability Index (ESI) (iii) Ethical Deployment Index (EDI)</a:t>
+              </a:r>
+              <a:endParaRPr lang="en-US" dirty="0">
+                <a:latin typeface="Arial Narrow" panose="020B0606020202030204" pitchFamily="34" charset="0"/>
+              </a:endParaRPr>
             </a:p>
           </p:txBody>
         </p:sp>
-        <p:cxnSp>
-          <p:nvCxnSpPr>
-            <p:cNvPr id="84" name="Straight Arrow Connector 83">
-              <a:extLst>
-                <a:ext uri="{FF2B5EF4-FFF2-40B4-BE49-F238E27FC236}">
-                  <a16:creationId xmlns:a16="http://schemas.microsoft.com/office/drawing/2014/main" id="{37C41F2B-F5AA-D1D5-A00B-FFA52B876A5B}"/>
-                </a:ext>
-              </a:extLst>
-            </p:cNvPr>
-            <p:cNvCxnSpPr/>
-            <p:nvPr/>
-          </p:nvCxnSpPr>
-          <p:spPr>
-            <a:xfrm>
-              <a:off x="8932128" y="3423195"/>
-              <a:ext cx="0" cy="2366069"/>
-            </a:xfrm>
-            <a:prstGeom prst="straightConnector1">
-              <a:avLst/>
-            </a:prstGeom>
-            <a:ln w="57150">
-              <a:solidFill>
-                <a:schemeClr val="tx1"/>
-              </a:solidFill>
-              <a:tailEnd type="triangle"/>
-            </a:ln>
-          </p:spPr>
-          <p:style>
-            <a:lnRef idx="2">
-              <a:schemeClr val="accent1"/>
-            </a:lnRef>
-            <a:fillRef idx="0">
-              <a:schemeClr val="accent1"/>
-            </a:fillRef>
-            <a:effectRef idx="1">
-              <a:schemeClr val="accent1"/>
-            </a:effectRef>
-            <a:fontRef idx="minor">
-              <a:schemeClr val="tx1"/>
-            </a:fontRef>
-          </p:style>
-        </p:cxnSp>
       </p:grpSp>
       <p:grpSp>
         <p:nvGrpSpPr>
@@ -5909,7 +5918,7 @@
         </p:nvSpPr>
         <p:spPr>
           <a:xfrm rot="10800000">
-            <a:off x="8160417" y="2617979"/>
+            <a:off x="8022859" y="2615727"/>
             <a:ext cx="779199" cy="1889970"/>
           </a:xfrm>
           <a:prstGeom prst="chevron">
@@ -5949,6 +5958,422 @@
           </a:p>
         </p:txBody>
       </p:sp>
+      <p:sp>
+        <p:nvSpPr>
+          <p:cNvPr id="2" name="Flowchart: Terminator 1"/>
+          <p:cNvSpPr/>
+          <p:nvPr/>
+        </p:nvSpPr>
+        <p:spPr>
+          <a:xfrm>
+            <a:off x="-215429" y="4311589"/>
+            <a:ext cx="1457739" cy="513271"/>
+          </a:xfrm>
+          <a:prstGeom prst="flowChartTerminator">
+            <a:avLst/>
+          </a:prstGeom>
+        </p:spPr>
+        <p:style>
+          <a:lnRef idx="2">
+            <a:schemeClr val="accent1">
+              <a:shade val="50000"/>
+            </a:schemeClr>
+          </a:lnRef>
+          <a:fillRef idx="1">
+            <a:schemeClr val="accent1"/>
+          </a:fillRef>
+          <a:effectRef idx="0">
+            <a:schemeClr val="accent1"/>
+          </a:effectRef>
+          <a:fontRef idx="minor">
+            <a:schemeClr val="lt1"/>
+          </a:fontRef>
+        </p:style>
+        <p:txBody>
+          <a:bodyPr rtlCol="1" anchor="ctr"/>
+          <a:lstStyle/>
+          <a:p>
+            <a:pPr algn="ctr"/>
+            <a:r>
+              <a:rPr lang="en-US" dirty="0" smtClean="0">
+                <a:latin typeface="Arial Narrow" panose="020B0606020202030204" pitchFamily="34" charset="0"/>
+              </a:rPr>
+              <a:t>Wake</a:t>
+            </a:r>
+            <a:endParaRPr lang="ur-PK" dirty="0">
+              <a:latin typeface="Arial Narrow" panose="020B0606020202030204" pitchFamily="34" charset="0"/>
+            </a:endParaRPr>
+          </a:p>
+        </p:txBody>
+      </p:sp>
+      <p:sp>
+        <p:nvSpPr>
+          <p:cNvPr id="49" name="Flowchart: Terminator 48"/>
+          <p:cNvSpPr/>
+          <p:nvPr/>
+        </p:nvSpPr>
+        <p:spPr>
+          <a:xfrm>
+            <a:off x="1457349" y="4321066"/>
+            <a:ext cx="1457739" cy="513271"/>
+          </a:xfrm>
+          <a:prstGeom prst="flowChartTerminator">
+            <a:avLst/>
+          </a:prstGeom>
+        </p:spPr>
+        <p:style>
+          <a:lnRef idx="2">
+            <a:schemeClr val="accent2">
+              <a:shade val="50000"/>
+            </a:schemeClr>
+          </a:lnRef>
+          <a:fillRef idx="1">
+            <a:schemeClr val="accent2"/>
+          </a:fillRef>
+          <a:effectRef idx="0">
+            <a:schemeClr val="accent2"/>
+          </a:effectRef>
+          <a:fontRef idx="minor">
+            <a:schemeClr val="lt1"/>
+          </a:fontRef>
+        </p:style>
+        <p:txBody>
+          <a:bodyPr rtlCol="1" anchor="ctr"/>
+          <a:lstStyle/>
+          <a:p>
+            <a:pPr algn="ctr"/>
+            <a:r>
+              <a:rPr lang="en-US" dirty="0" smtClean="0">
+                <a:latin typeface="Arial Narrow" panose="020B0606020202030204" pitchFamily="34" charset="0"/>
+              </a:rPr>
+              <a:t>N1</a:t>
+            </a:r>
+            <a:endParaRPr lang="ur-PK" dirty="0">
+              <a:latin typeface="Arial Narrow" panose="020B0606020202030204" pitchFamily="34" charset="0"/>
+            </a:endParaRPr>
+          </a:p>
+        </p:txBody>
+      </p:sp>
+      <p:sp>
+        <p:nvSpPr>
+          <p:cNvPr id="51" name="Flowchart: Terminator 50"/>
+          <p:cNvSpPr/>
+          <p:nvPr/>
+        </p:nvSpPr>
+        <p:spPr>
+          <a:xfrm>
+            <a:off x="3197007" y="4340010"/>
+            <a:ext cx="1457739" cy="513271"/>
+          </a:xfrm>
+          <a:prstGeom prst="flowChartTerminator">
+            <a:avLst/>
+          </a:prstGeom>
+        </p:spPr>
+        <p:style>
+          <a:lnRef idx="2">
+            <a:schemeClr val="accent3">
+              <a:shade val="50000"/>
+            </a:schemeClr>
+          </a:lnRef>
+          <a:fillRef idx="1">
+            <a:schemeClr val="accent3"/>
+          </a:fillRef>
+          <a:effectRef idx="0">
+            <a:schemeClr val="accent3"/>
+          </a:effectRef>
+          <a:fontRef idx="minor">
+            <a:schemeClr val="lt1"/>
+          </a:fontRef>
+        </p:style>
+        <p:txBody>
+          <a:bodyPr rtlCol="1" anchor="ctr"/>
+          <a:lstStyle/>
+          <a:p>
+            <a:pPr algn="ctr"/>
+            <a:r>
+              <a:rPr lang="en-US" dirty="0" smtClean="0">
+                <a:latin typeface="Arial Narrow" panose="020B0606020202030204" pitchFamily="34" charset="0"/>
+              </a:rPr>
+              <a:t>N2</a:t>
+            </a:r>
+            <a:endParaRPr lang="ur-PK" dirty="0">
+              <a:latin typeface="Arial Narrow" panose="020B0606020202030204" pitchFamily="34" charset="0"/>
+            </a:endParaRPr>
+          </a:p>
+        </p:txBody>
+      </p:sp>
+      <p:sp>
+        <p:nvSpPr>
+          <p:cNvPr id="52" name="Flowchart: Terminator 51"/>
+          <p:cNvSpPr/>
+          <p:nvPr/>
+        </p:nvSpPr>
+        <p:spPr>
+          <a:xfrm>
+            <a:off x="4896909" y="4338151"/>
+            <a:ext cx="1457739" cy="513271"/>
+          </a:xfrm>
+          <a:prstGeom prst="flowChartTerminator">
+            <a:avLst/>
+          </a:prstGeom>
+        </p:spPr>
+        <p:style>
+          <a:lnRef idx="2">
+            <a:schemeClr val="accent4">
+              <a:shade val="50000"/>
+            </a:schemeClr>
+          </a:lnRef>
+          <a:fillRef idx="1">
+            <a:schemeClr val="accent4"/>
+          </a:fillRef>
+          <a:effectRef idx="0">
+            <a:schemeClr val="accent4"/>
+          </a:effectRef>
+          <a:fontRef idx="minor">
+            <a:schemeClr val="lt1"/>
+          </a:fontRef>
+        </p:style>
+        <p:txBody>
+          <a:bodyPr rtlCol="1" anchor="ctr"/>
+          <a:lstStyle/>
+          <a:p>
+            <a:pPr algn="ctr"/>
+            <a:r>
+              <a:rPr lang="en-US" dirty="0" smtClean="0">
+                <a:latin typeface="Arial Narrow" panose="020B0606020202030204" pitchFamily="34" charset="0"/>
+              </a:rPr>
+              <a:t>N3</a:t>
+            </a:r>
+            <a:endParaRPr lang="ur-PK" dirty="0">
+              <a:latin typeface="Arial Narrow" panose="020B0606020202030204" pitchFamily="34" charset="0"/>
+            </a:endParaRPr>
+          </a:p>
+        </p:txBody>
+      </p:sp>
+      <p:sp>
+        <p:nvSpPr>
+          <p:cNvPr id="53" name="Flowchart: Terminator 52"/>
+          <p:cNvSpPr/>
+          <p:nvPr/>
+        </p:nvSpPr>
+        <p:spPr>
+          <a:xfrm>
+            <a:off x="6494392" y="4311588"/>
+            <a:ext cx="1457739" cy="513271"/>
+          </a:xfrm>
+          <a:prstGeom prst="flowChartTerminator">
+            <a:avLst/>
+          </a:prstGeom>
+        </p:spPr>
+        <p:style>
+          <a:lnRef idx="2">
+            <a:schemeClr val="accent5">
+              <a:shade val="50000"/>
+            </a:schemeClr>
+          </a:lnRef>
+          <a:fillRef idx="1">
+            <a:schemeClr val="accent5"/>
+          </a:fillRef>
+          <a:effectRef idx="0">
+            <a:schemeClr val="accent5"/>
+          </a:effectRef>
+          <a:fontRef idx="minor">
+            <a:schemeClr val="lt1"/>
+          </a:fontRef>
+        </p:style>
+        <p:txBody>
+          <a:bodyPr rtlCol="1" anchor="ctr"/>
+          <a:lstStyle/>
+          <a:p>
+            <a:pPr algn="ctr"/>
+            <a:r>
+              <a:rPr lang="en-US" dirty="0" smtClean="0">
+                <a:latin typeface="Arial Narrow" panose="020B0606020202030204" pitchFamily="34" charset="0"/>
+              </a:rPr>
+              <a:t>REM</a:t>
+            </a:r>
+            <a:endParaRPr lang="ur-PK" dirty="0">
+              <a:latin typeface="Arial Narrow" panose="020B0606020202030204" pitchFamily="34" charset="0"/>
+            </a:endParaRPr>
+          </a:p>
+        </p:txBody>
+      </p:sp>
+      <p:cxnSp>
+        <p:nvCxnSpPr>
+          <p:cNvPr id="5" name="Elbow Connector 4"/>
+          <p:cNvCxnSpPr>
+            <a:stCxn id="73" idx="2"/>
+            <a:endCxn id="2" idx="0"/>
+          </p:cNvCxnSpPr>
+          <p:nvPr/>
+        </p:nvCxnSpPr>
+        <p:spPr>
+          <a:xfrm rot="5400000">
+            <a:off x="1885665" y="2427414"/>
+            <a:ext cx="511951" cy="3256398"/>
+          </a:xfrm>
+          <a:prstGeom prst="bentConnector3">
+            <a:avLst/>
+          </a:prstGeom>
+          <a:ln>
+            <a:tailEnd type="triangle"/>
+          </a:ln>
+        </p:spPr>
+        <p:style>
+          <a:lnRef idx="2">
+            <a:schemeClr val="dk1"/>
+          </a:lnRef>
+          <a:fillRef idx="0">
+            <a:schemeClr val="dk1"/>
+          </a:fillRef>
+          <a:effectRef idx="1">
+            <a:schemeClr val="dk1"/>
+          </a:effectRef>
+          <a:fontRef idx="minor">
+            <a:schemeClr val="tx1"/>
+          </a:fontRef>
+        </p:style>
+      </p:cxnSp>
+      <p:cxnSp>
+        <p:nvCxnSpPr>
+          <p:cNvPr id="7" name="Straight Arrow Connector 6"/>
+          <p:cNvCxnSpPr>
+            <a:endCxn id="49" idx="0"/>
+          </p:cNvCxnSpPr>
+          <p:nvPr/>
+        </p:nvCxnSpPr>
+        <p:spPr>
+          <a:xfrm>
+            <a:off x="2186218" y="4029200"/>
+            <a:ext cx="1" cy="291866"/>
+          </a:xfrm>
+          <a:prstGeom prst="straightConnector1">
+            <a:avLst/>
+          </a:prstGeom>
+          <a:ln>
+            <a:tailEnd type="triangle"/>
+          </a:ln>
+        </p:spPr>
+        <p:style>
+          <a:lnRef idx="2">
+            <a:schemeClr val="dk1"/>
+          </a:lnRef>
+          <a:fillRef idx="0">
+            <a:schemeClr val="dk1"/>
+          </a:fillRef>
+          <a:effectRef idx="1">
+            <a:schemeClr val="dk1"/>
+          </a:effectRef>
+          <a:fontRef idx="minor">
+            <a:schemeClr val="tx1"/>
+          </a:fontRef>
+        </p:style>
+      </p:cxnSp>
+      <p:cxnSp>
+        <p:nvCxnSpPr>
+          <p:cNvPr id="10" name="Elbow Connector 9"/>
+          <p:cNvCxnSpPr>
+            <a:endCxn id="53" idx="0"/>
+          </p:cNvCxnSpPr>
+          <p:nvPr/>
+        </p:nvCxnSpPr>
+        <p:spPr>
+          <a:xfrm>
+            <a:off x="3769839" y="4055613"/>
+            <a:ext cx="3453423" cy="255975"/>
+          </a:xfrm>
+          <a:prstGeom prst="bentConnector2">
+            <a:avLst/>
+          </a:prstGeom>
+          <a:ln>
+            <a:tailEnd type="triangle"/>
+          </a:ln>
+        </p:spPr>
+        <p:style>
+          <a:lnRef idx="2">
+            <a:schemeClr val="dk1"/>
+          </a:lnRef>
+          <a:fillRef idx="0">
+            <a:schemeClr val="dk1"/>
+          </a:fillRef>
+          <a:effectRef idx="1">
+            <a:schemeClr val="dk1"/>
+          </a:effectRef>
+          <a:fontRef idx="minor">
+            <a:schemeClr val="tx1"/>
+          </a:fontRef>
+        </p:style>
+      </p:cxnSp>
+      <p:cxnSp>
+        <p:nvCxnSpPr>
+          <p:cNvPr id="14" name="Straight Arrow Connector 13"/>
+          <p:cNvCxnSpPr>
+            <a:endCxn id="51" idx="0"/>
+          </p:cNvCxnSpPr>
+          <p:nvPr/>
+        </p:nvCxnSpPr>
+        <p:spPr>
+          <a:xfrm>
+            <a:off x="3921515" y="4055613"/>
+            <a:ext cx="4362" cy="284397"/>
+          </a:xfrm>
+          <a:prstGeom prst="straightConnector1">
+            <a:avLst/>
+          </a:prstGeom>
+          <a:ln>
+            <a:tailEnd type="triangle"/>
+          </a:ln>
+        </p:spPr>
+        <p:style>
+          <a:lnRef idx="2">
+            <a:schemeClr val="dk1"/>
+          </a:lnRef>
+          <a:fillRef idx="0">
+            <a:schemeClr val="dk1"/>
+          </a:fillRef>
+          <a:effectRef idx="1">
+            <a:schemeClr val="dk1"/>
+          </a:effectRef>
+          <a:fontRef idx="minor">
+            <a:schemeClr val="tx1"/>
+          </a:fontRef>
+        </p:style>
+      </p:cxnSp>
+      <p:cxnSp>
+        <p:nvCxnSpPr>
+          <p:cNvPr id="20" name="Straight Arrow Connector 19"/>
+          <p:cNvCxnSpPr>
+            <a:endCxn id="52" idx="0"/>
+          </p:cNvCxnSpPr>
+          <p:nvPr/>
+        </p:nvCxnSpPr>
+        <p:spPr>
+          <a:xfrm>
+            <a:off x="5625778" y="4029200"/>
+            <a:ext cx="1" cy="308951"/>
+          </a:xfrm>
+          <a:prstGeom prst="straightConnector1">
+            <a:avLst/>
+          </a:prstGeom>
+          <a:ln>
+            <a:tailEnd type="triangle"/>
+          </a:ln>
+        </p:spPr>
+        <p:style>
+          <a:lnRef idx="2">
+            <a:schemeClr val="dk1"/>
+          </a:lnRef>
+          <a:fillRef idx="0">
+            <a:schemeClr val="dk1"/>
+          </a:fillRef>
+          <a:effectRef idx="1">
+            <a:schemeClr val="dk1"/>
+          </a:effectRef>
+          <a:fontRef idx="minor">
+            <a:schemeClr val="tx1"/>
+          </a:fontRef>
+        </p:style>
+      </p:cxnSp>
     </p:spTree>
     <p:extLst>
       <p:ext uri="{BB962C8B-B14F-4D97-AF65-F5344CB8AC3E}">
